--- a/Workshop Mockito en TestMVC/Presentatie1.pptx
+++ b/Workshop Mockito en TestMVC/Presentatie1.pptx
@@ -6287,6 +6287,12 @@
               <a:rPr lang="nl-NL" dirty="0"/>
               <a:t>Het is half zeven in de avond en nog steeds prachtig weer. Ik hoop dat het het waard was!</a:t>
             </a:r>
+          </a:p>
+          <a:p>
+            <a:endParaRPr lang="nl-NL"/>
+          </a:p>
+          <a:p>
+            <a:endParaRPr lang="nl-NL" dirty="0"/>
           </a:p>
         </p:txBody>
       </p:sp>

--- a/Workshop Mockito en TestMVC/Presentatie1.pptx
+++ b/Workshop Mockito en TestMVC/Presentatie1.pptx
@@ -6289,7 +6289,7 @@
             </a:r>
           </a:p>
           <a:p>
-            <a:endParaRPr lang="nl-NL"/>
+            <a:endParaRPr lang="nl-NL" dirty="0"/>
           </a:p>
           <a:p>
             <a:endParaRPr lang="nl-NL" dirty="0"/>
